--- a/CS330/lectures/memory_management.pptx
+++ b/CS330/lectures/memory_management.pptx
@@ -5,7 +5,7 @@
     <p:sldMasterId id="2147483648" r:id="rId1"/>
   </p:sldMasterIdLst>
   <p:handoutMasterIdLst>
-    <p:handoutMasterId r:id="rId57"/>
+    <p:handoutMasterId r:id="rId50"/>
   </p:handoutMasterIdLst>
   <p:sldIdLst>
     <p:sldId id="256" r:id="rId2"/>
@@ -56,13 +56,6 @@
     <p:sldId id="301" r:id="rId47"/>
     <p:sldId id="302" r:id="rId48"/>
     <p:sldId id="303" r:id="rId49"/>
-    <p:sldId id="304" r:id="rId50"/>
-    <p:sldId id="305" r:id="rId51"/>
-    <p:sldId id="306" r:id="rId52"/>
-    <p:sldId id="307" r:id="rId53"/>
-    <p:sldId id="309" r:id="rId54"/>
-    <p:sldId id="310" r:id="rId55"/>
-    <p:sldId id="311" r:id="rId56"/>
   </p:sldIdLst>
   <p:sldSz cx="9144000" cy="6858000" type="screen4x3"/>
   <p:notesSz cx="7315200" cy="9601200"/>
@@ -161,6 +154,22 @@
       </a:defRPr>
     </a:lvl9pPr>
   </p:defaultTextStyle>
+  <p:extLst>
+    <p:ext uri="{EFAFB233-063F-42B5-8137-9DF3F51BA10A}">
+      <p15:sldGuideLst xmlns:p15="http://schemas.microsoft.com/office/powerpoint/2012/main">
+        <p15:guide id="1" orient="horz" pos="2160">
+          <p15:clr>
+            <a:srgbClr val="A4A3A4"/>
+          </p15:clr>
+        </p15:guide>
+        <p15:guide id="2" pos="2880">
+          <p15:clr>
+            <a:srgbClr val="A4A3A4"/>
+          </p15:clr>
+        </p15:guide>
+      </p15:sldGuideLst>
+    </p:ext>
+  </p:extLst>
 </p:presentation>
 </file>
 
@@ -246,7 +255,7 @@
           <a:p>
             <a:fld id="{8930E0BD-6CFD-4C28-9376-3800AFB53041}" type="datetimeFigureOut">
               <a:rPr lang="en-US" smtClean="0"/>
-              <a:t>10/18/2016</a:t>
+              <a:t>10/25/2017</a:t>
             </a:fld>
             <a:endParaRPr lang="en-US"/>
           </a:p>
@@ -319,6 +328,11 @@
         </p:txBody>
       </p:sp>
     </p:spTree>
+    <p:extLst>
+      <p:ext uri="{BB962C8B-B14F-4D97-AF65-F5344CB8AC3E}">
+        <p14:creationId xmlns:p14="http://schemas.microsoft.com/office/powerpoint/2010/main" val="2559600976"/>
+      </p:ext>
+    </p:extLst>
   </p:cSld>
   <p:clrMap bg1="lt1" tx1="dk1" bg2="lt2" tx2="dk2" accent1="accent1" accent2="accent2" accent3="accent3" accent4="accent4" accent5="accent5" accent6="accent6" hlink="hlink" folHlink="folHlink"/>
 </p:handoutMaster>
@@ -506,7 +520,7 @@
             <a:fld id="{1D8BD707-D9CF-40AE-B4C6-C98DA3205C09}" type="datetimeFigureOut">
               <a:rPr lang="en-US" smtClean="0"/>
               <a:pPr/>
-              <a:t>10/18/2016</a:t>
+              <a:t>10/25/2017</a:t>
             </a:fld>
             <a:endParaRPr lang="en-US"/>
           </a:p>
@@ -673,7 +687,7 @@
             <a:fld id="{1D8BD707-D9CF-40AE-B4C6-C98DA3205C09}" type="datetimeFigureOut">
               <a:rPr lang="en-US" smtClean="0"/>
               <a:pPr/>
-              <a:t>10/18/2016</a:t>
+              <a:t>10/25/2017</a:t>
             </a:fld>
             <a:endParaRPr lang="en-US"/>
           </a:p>
@@ -850,7 +864,7 @@
             <a:fld id="{1D8BD707-D9CF-40AE-B4C6-C98DA3205C09}" type="datetimeFigureOut">
               <a:rPr lang="en-US" smtClean="0"/>
               <a:pPr/>
-              <a:t>10/18/2016</a:t>
+              <a:t>10/25/2017</a:t>
             </a:fld>
             <a:endParaRPr lang="en-US"/>
           </a:p>
@@ -1017,7 +1031,7 @@
             <a:fld id="{1D8BD707-D9CF-40AE-B4C6-C98DA3205C09}" type="datetimeFigureOut">
               <a:rPr lang="en-US" smtClean="0"/>
               <a:pPr/>
-              <a:t>10/18/2016</a:t>
+              <a:t>10/25/2017</a:t>
             </a:fld>
             <a:endParaRPr lang="en-US"/>
           </a:p>
@@ -1260,7 +1274,7 @@
             <a:fld id="{1D8BD707-D9CF-40AE-B4C6-C98DA3205C09}" type="datetimeFigureOut">
               <a:rPr lang="en-US" smtClean="0"/>
               <a:pPr/>
-              <a:t>10/18/2016</a:t>
+              <a:t>10/25/2017</a:t>
             </a:fld>
             <a:endParaRPr lang="en-US"/>
           </a:p>
@@ -1545,7 +1559,7 @@
             <a:fld id="{1D8BD707-D9CF-40AE-B4C6-C98DA3205C09}" type="datetimeFigureOut">
               <a:rPr lang="en-US" smtClean="0"/>
               <a:pPr/>
-              <a:t>10/18/2016</a:t>
+              <a:t>10/25/2017</a:t>
             </a:fld>
             <a:endParaRPr lang="en-US"/>
           </a:p>
@@ -1964,7 +1978,7 @@
             <a:fld id="{1D8BD707-D9CF-40AE-B4C6-C98DA3205C09}" type="datetimeFigureOut">
               <a:rPr lang="en-US" smtClean="0"/>
               <a:pPr/>
-              <a:t>10/18/2016</a:t>
+              <a:t>10/25/2017</a:t>
             </a:fld>
             <a:endParaRPr lang="en-US"/>
           </a:p>
@@ -2079,7 +2093,7 @@
             <a:fld id="{1D8BD707-D9CF-40AE-B4C6-C98DA3205C09}" type="datetimeFigureOut">
               <a:rPr lang="en-US" smtClean="0"/>
               <a:pPr/>
-              <a:t>10/18/2016</a:t>
+              <a:t>10/25/2017</a:t>
             </a:fld>
             <a:endParaRPr lang="en-US"/>
           </a:p>
@@ -2171,7 +2185,7 @@
             <a:fld id="{1D8BD707-D9CF-40AE-B4C6-C98DA3205C09}" type="datetimeFigureOut">
               <a:rPr lang="en-US" smtClean="0"/>
               <a:pPr/>
-              <a:t>10/18/2016</a:t>
+              <a:t>10/25/2017</a:t>
             </a:fld>
             <a:endParaRPr lang="en-US"/>
           </a:p>
@@ -2445,7 +2459,7 @@
             <a:fld id="{1D8BD707-D9CF-40AE-B4C6-C98DA3205C09}" type="datetimeFigureOut">
               <a:rPr lang="en-US" smtClean="0"/>
               <a:pPr/>
-              <a:t>10/18/2016</a:t>
+              <a:t>10/25/2017</a:t>
             </a:fld>
             <a:endParaRPr lang="en-US"/>
           </a:p>
@@ -2695,7 +2709,7 @@
             <a:fld id="{1D8BD707-D9CF-40AE-B4C6-C98DA3205C09}" type="datetimeFigureOut">
               <a:rPr lang="en-US" smtClean="0"/>
               <a:pPr/>
-              <a:t>10/18/2016</a:t>
+              <a:t>10/25/2017</a:t>
             </a:fld>
             <a:endParaRPr lang="en-US"/>
           </a:p>
@@ -2905,7 +2919,7 @@
             <a:fld id="{1D8BD707-D9CF-40AE-B4C6-C98DA3205C09}" type="datetimeFigureOut">
               <a:rPr lang="en-US" smtClean="0"/>
               <a:pPr/>
-              <a:t>10/18/2016</a:t>
+              <a:t>10/25/2017</a:t>
             </a:fld>
             <a:endParaRPr lang="en-US"/>
           </a:p>
@@ -3455,7 +3469,7 @@
     </p:spTree>
     <p:extLst>
       <p:ext uri="{BB962C8B-B14F-4D97-AF65-F5344CB8AC3E}">
-        <p14:creationId xmlns:p14="http://schemas.microsoft.com/office/powerpoint/2010/main" xmlns="" val="23886867"/>
+        <p14:creationId xmlns:p14="http://schemas.microsoft.com/office/powerpoint/2010/main" val="23886867"/>
       </p:ext>
     </p:extLst>
   </p:cSld>
@@ -3597,7 +3611,7 @@
     </p:spTree>
     <p:extLst>
       <p:ext uri="{BB962C8B-B14F-4D97-AF65-F5344CB8AC3E}">
-        <p14:creationId xmlns:p14="http://schemas.microsoft.com/office/powerpoint/2010/main" xmlns="" val="2631594440"/>
+        <p14:creationId xmlns:p14="http://schemas.microsoft.com/office/powerpoint/2010/main" val="2631594440"/>
       </p:ext>
     </p:extLst>
   </p:cSld>
@@ -3735,7 +3749,7 @@
     </p:spTree>
     <p:extLst>
       <p:ext uri="{BB962C8B-B14F-4D97-AF65-F5344CB8AC3E}">
-        <p14:creationId xmlns:p14="http://schemas.microsoft.com/office/powerpoint/2010/main" xmlns="" val="385457513"/>
+        <p14:creationId xmlns:p14="http://schemas.microsoft.com/office/powerpoint/2010/main" val="385457513"/>
       </p:ext>
     </p:extLst>
   </p:cSld>
@@ -3867,7 +3881,7 @@
     </p:spTree>
     <p:extLst>
       <p:ext uri="{BB962C8B-B14F-4D97-AF65-F5344CB8AC3E}">
-        <p14:creationId xmlns:p14="http://schemas.microsoft.com/office/powerpoint/2010/main" xmlns="" val="1614538522"/>
+        <p14:creationId xmlns:p14="http://schemas.microsoft.com/office/powerpoint/2010/main" val="1614538522"/>
       </p:ext>
     </p:extLst>
   </p:cSld>
@@ -3998,7 +4012,7 @@
     </p:spTree>
     <p:extLst>
       <p:ext uri="{BB962C8B-B14F-4D97-AF65-F5344CB8AC3E}">
-        <p14:creationId xmlns:p14="http://schemas.microsoft.com/office/powerpoint/2010/main" xmlns="" val="4036527524"/>
+        <p14:creationId xmlns:p14="http://schemas.microsoft.com/office/powerpoint/2010/main" val="4036527524"/>
       </p:ext>
     </p:extLst>
   </p:cSld>
@@ -4130,7 +4144,7 @@
     </p:spTree>
     <p:extLst>
       <p:ext uri="{BB962C8B-B14F-4D97-AF65-F5344CB8AC3E}">
-        <p14:creationId xmlns:p14="http://schemas.microsoft.com/office/powerpoint/2010/main" xmlns="" val="1303401724"/>
+        <p14:creationId xmlns:p14="http://schemas.microsoft.com/office/powerpoint/2010/main" val="1303401724"/>
       </p:ext>
     </p:extLst>
   </p:cSld>
@@ -4262,7 +4276,7 @@
     </p:spTree>
     <p:extLst>
       <p:ext uri="{BB962C8B-B14F-4D97-AF65-F5344CB8AC3E}">
-        <p14:creationId xmlns:p14="http://schemas.microsoft.com/office/powerpoint/2010/main" xmlns="" val="446923439"/>
+        <p14:creationId xmlns:p14="http://schemas.microsoft.com/office/powerpoint/2010/main" val="446923439"/>
       </p:ext>
     </p:extLst>
   </p:cSld>
@@ -4386,7 +4400,7 @@
     </p:spTree>
     <p:extLst>
       <p:ext uri="{BB962C8B-B14F-4D97-AF65-F5344CB8AC3E}">
-        <p14:creationId xmlns:p14="http://schemas.microsoft.com/office/powerpoint/2010/main" xmlns="" val="1621120622"/>
+        <p14:creationId xmlns:p14="http://schemas.microsoft.com/office/powerpoint/2010/main" val="1621120622"/>
       </p:ext>
     </p:extLst>
   </p:cSld>
@@ -4525,7 +4539,7 @@
     </p:spTree>
     <p:extLst>
       <p:ext uri="{BB962C8B-B14F-4D97-AF65-F5344CB8AC3E}">
-        <p14:creationId xmlns:p14="http://schemas.microsoft.com/office/powerpoint/2010/main" xmlns="" val="3532355983"/>
+        <p14:creationId xmlns:p14="http://schemas.microsoft.com/office/powerpoint/2010/main" val="3532355983"/>
       </p:ext>
     </p:extLst>
   </p:cSld>
@@ -4620,7 +4634,7 @@
     </p:spTree>
     <p:extLst>
       <p:ext uri="{BB962C8B-B14F-4D97-AF65-F5344CB8AC3E}">
-        <p14:creationId xmlns:p14="http://schemas.microsoft.com/office/powerpoint/2010/main" xmlns="" val="2276401157"/>
+        <p14:creationId xmlns:p14="http://schemas.microsoft.com/office/powerpoint/2010/main" val="2276401157"/>
       </p:ext>
     </p:extLst>
   </p:cSld>
@@ -4712,8 +4726,23 @@
           <a:p>
             <a:r>
               <a:rPr lang="en-US" dirty="0" smtClean="0"/>
-              <a:t>Page replacement algorithms</a:t>
-            </a:r>
+              <a:t>Page replacement </a:t>
+            </a:r>
+            <a:r>
+              <a:rPr lang="en-US" dirty="0" smtClean="0"/>
+              <a:t>algorithms</a:t>
+            </a:r>
+          </a:p>
+          <a:p>
+            <a:r>
+              <a:rPr lang="en-US" dirty="0" smtClean="0"/>
+              <a:t>Design </a:t>
+            </a:r>
+            <a:r>
+              <a:rPr lang="en-US" smtClean="0"/>
+              <a:t>of Page Table</a:t>
+            </a:r>
+            <a:endParaRPr lang="en-US" dirty="0" smtClean="0"/>
           </a:p>
           <a:p>
             <a:r>
@@ -4731,27 +4760,6 @@
             <a:r>
               <a:rPr lang="en-US" dirty="0" smtClean="0"/>
               <a:t>Segmentation</a:t>
-            </a:r>
-          </a:p>
-          <a:p>
-            <a:r>
-              <a:rPr lang="en-US" smtClean="0"/>
-              <a:t>Memory-mapped </a:t>
-            </a:r>
-            <a:r>
-              <a:rPr lang="en-US" smtClean="0"/>
-              <a:t>I/O</a:t>
-            </a:r>
-            <a:endParaRPr lang="en-US" dirty="0" smtClean="0"/>
-          </a:p>
-          <a:p>
-            <a:r>
-              <a:rPr lang="en-US" dirty="0" smtClean="0"/>
-              <a:t>Managing kernel </a:t>
-            </a:r>
-            <a:r>
-              <a:rPr lang="en-US" dirty="0" smtClean="0"/>
-              <a:t>memory</a:t>
             </a:r>
             <a:endParaRPr lang="en-US" dirty="0" smtClean="0"/>
           </a:p>
@@ -4871,7 +4879,7 @@
     </p:spTree>
     <p:extLst>
       <p:ext uri="{BB962C8B-B14F-4D97-AF65-F5344CB8AC3E}">
-        <p14:creationId xmlns:p14="http://schemas.microsoft.com/office/powerpoint/2010/main" xmlns="" val="3740588277"/>
+        <p14:creationId xmlns:p14="http://schemas.microsoft.com/office/powerpoint/2010/main" val="3740588277"/>
       </p:ext>
     </p:extLst>
   </p:cSld>
@@ -5016,7 +5024,7 @@
     </p:spTree>
     <p:extLst>
       <p:ext uri="{BB962C8B-B14F-4D97-AF65-F5344CB8AC3E}">
-        <p14:creationId xmlns:p14="http://schemas.microsoft.com/office/powerpoint/2010/main" xmlns="" val="1046563000"/>
+        <p14:creationId xmlns:p14="http://schemas.microsoft.com/office/powerpoint/2010/main" val="1046563000"/>
       </p:ext>
     </p:extLst>
   </p:cSld>
@@ -5139,7 +5147,7 @@
     </p:spTree>
     <p:extLst>
       <p:ext uri="{BB962C8B-B14F-4D97-AF65-F5344CB8AC3E}">
-        <p14:creationId xmlns:p14="http://schemas.microsoft.com/office/powerpoint/2010/main" xmlns="" val="150515613"/>
+        <p14:creationId xmlns:p14="http://schemas.microsoft.com/office/powerpoint/2010/main" val="150515613"/>
       </p:ext>
     </p:extLst>
   </p:cSld>
@@ -5299,7 +5307,7 @@
     </p:spTree>
     <p:extLst>
       <p:ext uri="{BB962C8B-B14F-4D97-AF65-F5344CB8AC3E}">
-        <p14:creationId xmlns:p14="http://schemas.microsoft.com/office/powerpoint/2010/main" xmlns="" val="2901536529"/>
+        <p14:creationId xmlns:p14="http://schemas.microsoft.com/office/powerpoint/2010/main" val="2901536529"/>
       </p:ext>
     </p:extLst>
   </p:cSld>
@@ -5426,7 +5434,7 @@
     </p:spTree>
     <p:extLst>
       <p:ext uri="{BB962C8B-B14F-4D97-AF65-F5344CB8AC3E}">
-        <p14:creationId xmlns:p14="http://schemas.microsoft.com/office/powerpoint/2010/main" xmlns="" val="3048753722"/>
+        <p14:creationId xmlns:p14="http://schemas.microsoft.com/office/powerpoint/2010/main" val="3048753722"/>
       </p:ext>
     </p:extLst>
   </p:cSld>
@@ -5551,7 +5559,7 @@
     </p:spTree>
     <p:extLst>
       <p:ext uri="{BB962C8B-B14F-4D97-AF65-F5344CB8AC3E}">
-        <p14:creationId xmlns:p14="http://schemas.microsoft.com/office/powerpoint/2010/main" xmlns="" val="1374407772"/>
+        <p14:creationId xmlns:p14="http://schemas.microsoft.com/office/powerpoint/2010/main" val="1374407772"/>
       </p:ext>
     </p:extLst>
   </p:cSld>
@@ -5665,7 +5673,7 @@
     </p:spTree>
     <p:extLst>
       <p:ext uri="{BB962C8B-B14F-4D97-AF65-F5344CB8AC3E}">
-        <p14:creationId xmlns:p14="http://schemas.microsoft.com/office/powerpoint/2010/main" xmlns="" val="659587887"/>
+        <p14:creationId xmlns:p14="http://schemas.microsoft.com/office/powerpoint/2010/main" val="659587887"/>
       </p:ext>
     </p:extLst>
   </p:cSld>
@@ -5788,7 +5796,7 @@
     </p:spTree>
     <p:extLst>
       <p:ext uri="{BB962C8B-B14F-4D97-AF65-F5344CB8AC3E}">
-        <p14:creationId xmlns:p14="http://schemas.microsoft.com/office/powerpoint/2010/main" xmlns="" val="2365425857"/>
+        <p14:creationId xmlns:p14="http://schemas.microsoft.com/office/powerpoint/2010/main" val="2365425857"/>
       </p:ext>
     </p:extLst>
   </p:cSld>
@@ -5905,7 +5913,7 @@
     </p:spTree>
     <p:extLst>
       <p:ext uri="{BB962C8B-B14F-4D97-AF65-F5344CB8AC3E}">
-        <p14:creationId xmlns:p14="http://schemas.microsoft.com/office/powerpoint/2010/main" xmlns="" val="3434237996"/>
+        <p14:creationId xmlns:p14="http://schemas.microsoft.com/office/powerpoint/2010/main" val="3434237996"/>
       </p:ext>
     </p:extLst>
   </p:cSld>
@@ -6037,7 +6045,7 @@
     </p:spTree>
     <p:extLst>
       <p:ext uri="{BB962C8B-B14F-4D97-AF65-F5344CB8AC3E}">
-        <p14:creationId xmlns:p14="http://schemas.microsoft.com/office/powerpoint/2010/main" xmlns="" val="3145513083"/>
+        <p14:creationId xmlns:p14="http://schemas.microsoft.com/office/powerpoint/2010/main" val="3145513083"/>
       </p:ext>
     </p:extLst>
   </p:cSld>
@@ -6244,7 +6252,7 @@
     </p:spTree>
     <p:extLst>
       <p:ext uri="{BB962C8B-B14F-4D97-AF65-F5344CB8AC3E}">
-        <p14:creationId xmlns:p14="http://schemas.microsoft.com/office/powerpoint/2010/main" xmlns="" val="1812637529"/>
+        <p14:creationId xmlns:p14="http://schemas.microsoft.com/office/powerpoint/2010/main" val="1812637529"/>
       </p:ext>
     </p:extLst>
   </p:cSld>
@@ -6360,7 +6368,7 @@
     </p:spTree>
     <p:extLst>
       <p:ext uri="{BB962C8B-B14F-4D97-AF65-F5344CB8AC3E}">
-        <p14:creationId xmlns:p14="http://schemas.microsoft.com/office/powerpoint/2010/main" xmlns="" val="3800801789"/>
+        <p14:creationId xmlns:p14="http://schemas.microsoft.com/office/powerpoint/2010/main" val="3800801789"/>
       </p:ext>
     </p:extLst>
   </p:cSld>
@@ -6532,7 +6540,7 @@
     </p:spTree>
     <p:extLst>
       <p:ext uri="{BB962C8B-B14F-4D97-AF65-F5344CB8AC3E}">
-        <p14:creationId xmlns:p14="http://schemas.microsoft.com/office/powerpoint/2010/main" xmlns="" val="3615755958"/>
+        <p14:creationId xmlns:p14="http://schemas.microsoft.com/office/powerpoint/2010/main" val="3615755958"/>
       </p:ext>
     </p:extLst>
   </p:cSld>
@@ -6687,7 +6695,7 @@
     </p:spTree>
     <p:extLst>
       <p:ext uri="{BB962C8B-B14F-4D97-AF65-F5344CB8AC3E}">
-        <p14:creationId xmlns:p14="http://schemas.microsoft.com/office/powerpoint/2010/main" xmlns="" val="2770727069"/>
+        <p14:creationId xmlns:p14="http://schemas.microsoft.com/office/powerpoint/2010/main" val="2770727069"/>
       </p:ext>
     </p:extLst>
   </p:cSld>
@@ -6835,7 +6843,7 @@
     </p:spTree>
     <p:extLst>
       <p:ext uri="{BB962C8B-B14F-4D97-AF65-F5344CB8AC3E}">
-        <p14:creationId xmlns:p14="http://schemas.microsoft.com/office/powerpoint/2010/main" xmlns="" val="3158657458"/>
+        <p14:creationId xmlns:p14="http://schemas.microsoft.com/office/powerpoint/2010/main" val="3158657458"/>
       </p:ext>
     </p:extLst>
   </p:cSld>
@@ -6984,7 +6992,7 @@
     </p:spTree>
     <p:extLst>
       <p:ext uri="{BB962C8B-B14F-4D97-AF65-F5344CB8AC3E}">
-        <p14:creationId xmlns:p14="http://schemas.microsoft.com/office/powerpoint/2010/main" xmlns="" val="1038981885"/>
+        <p14:creationId xmlns:p14="http://schemas.microsoft.com/office/powerpoint/2010/main" val="1038981885"/>
       </p:ext>
     </p:extLst>
   </p:cSld>
@@ -7126,7 +7134,7 @@
     </p:spTree>
     <p:extLst>
       <p:ext uri="{BB962C8B-B14F-4D97-AF65-F5344CB8AC3E}">
-        <p14:creationId xmlns:p14="http://schemas.microsoft.com/office/powerpoint/2010/main" xmlns="" val="2947565184"/>
+        <p14:creationId xmlns:p14="http://schemas.microsoft.com/office/powerpoint/2010/main" val="2947565184"/>
       </p:ext>
     </p:extLst>
   </p:cSld>
@@ -7292,7 +7300,7 @@
     </p:spTree>
     <p:extLst>
       <p:ext uri="{BB962C8B-B14F-4D97-AF65-F5344CB8AC3E}">
-        <p14:creationId xmlns:p14="http://schemas.microsoft.com/office/powerpoint/2010/main" xmlns="" val="1876200227"/>
+        <p14:creationId xmlns:p14="http://schemas.microsoft.com/office/powerpoint/2010/main" val="1876200227"/>
       </p:ext>
     </p:extLst>
   </p:cSld>
@@ -7416,7 +7424,7 @@
     </p:spTree>
     <p:extLst>
       <p:ext uri="{BB962C8B-B14F-4D97-AF65-F5344CB8AC3E}">
-        <p14:creationId xmlns:p14="http://schemas.microsoft.com/office/powerpoint/2010/main" xmlns="" val="1076986536"/>
+        <p14:creationId xmlns:p14="http://schemas.microsoft.com/office/powerpoint/2010/main" val="1076986536"/>
       </p:ext>
     </p:extLst>
   </p:cSld>
@@ -7558,7 +7566,7 @@
     </p:spTree>
     <p:extLst>
       <p:ext uri="{BB962C8B-B14F-4D97-AF65-F5344CB8AC3E}">
-        <p14:creationId xmlns:p14="http://schemas.microsoft.com/office/powerpoint/2010/main" xmlns="" val="3736998656"/>
+        <p14:creationId xmlns:p14="http://schemas.microsoft.com/office/powerpoint/2010/main" val="3736998656"/>
       </p:ext>
     </p:extLst>
   </p:cSld>
@@ -7667,7 +7675,7 @@
     </p:spTree>
     <p:extLst>
       <p:ext uri="{BB962C8B-B14F-4D97-AF65-F5344CB8AC3E}">
-        <p14:creationId xmlns:p14="http://schemas.microsoft.com/office/powerpoint/2010/main" xmlns="" val="2595662900"/>
+        <p14:creationId xmlns:p14="http://schemas.microsoft.com/office/powerpoint/2010/main" val="2595662900"/>
       </p:ext>
     </p:extLst>
   </p:cSld>
@@ -7822,7 +7830,7 @@
     </p:spTree>
     <p:extLst>
       <p:ext uri="{BB962C8B-B14F-4D97-AF65-F5344CB8AC3E}">
-        <p14:creationId xmlns:p14="http://schemas.microsoft.com/office/powerpoint/2010/main" xmlns="" val="4130646776"/>
+        <p14:creationId xmlns:p14="http://schemas.microsoft.com/office/powerpoint/2010/main" val="4130646776"/>
       </p:ext>
     </p:extLst>
   </p:cSld>
@@ -7959,7 +7967,7 @@
     </p:spTree>
     <p:extLst>
       <p:ext uri="{BB962C8B-B14F-4D97-AF65-F5344CB8AC3E}">
-        <p14:creationId xmlns:p14="http://schemas.microsoft.com/office/powerpoint/2010/main" xmlns="" val="1570525825"/>
+        <p14:creationId xmlns:p14="http://schemas.microsoft.com/office/powerpoint/2010/main" val="1570525825"/>
       </p:ext>
     </p:extLst>
   </p:cSld>
@@ -8096,7 +8104,7 @@
     </p:spTree>
     <p:extLst>
       <p:ext uri="{BB962C8B-B14F-4D97-AF65-F5344CB8AC3E}">
-        <p14:creationId xmlns:p14="http://schemas.microsoft.com/office/powerpoint/2010/main" xmlns="" val="1210777942"/>
+        <p14:creationId xmlns:p14="http://schemas.microsoft.com/office/powerpoint/2010/main" val="1210777942"/>
       </p:ext>
     </p:extLst>
   </p:cSld>
@@ -8226,7 +8234,7 @@
     </p:spTree>
     <p:extLst>
       <p:ext uri="{BB962C8B-B14F-4D97-AF65-F5344CB8AC3E}">
-        <p14:creationId xmlns:p14="http://schemas.microsoft.com/office/powerpoint/2010/main" xmlns="" val="2458525057"/>
+        <p14:creationId xmlns:p14="http://schemas.microsoft.com/office/powerpoint/2010/main" val="2458525057"/>
       </p:ext>
     </p:extLst>
   </p:cSld>
@@ -8363,7 +8371,7 @@
     </p:spTree>
     <p:extLst>
       <p:ext uri="{BB962C8B-B14F-4D97-AF65-F5344CB8AC3E}">
-        <p14:creationId xmlns:p14="http://schemas.microsoft.com/office/powerpoint/2010/main" xmlns="" val="2494985736"/>
+        <p14:creationId xmlns:p14="http://schemas.microsoft.com/office/powerpoint/2010/main" val="2494985736"/>
       </p:ext>
     </p:extLst>
   </p:cSld>
@@ -8500,7 +8508,7 @@
     </p:spTree>
     <p:extLst>
       <p:ext uri="{BB962C8B-B14F-4D97-AF65-F5344CB8AC3E}">
-        <p14:creationId xmlns:p14="http://schemas.microsoft.com/office/powerpoint/2010/main" xmlns="" val="2743849361"/>
+        <p14:creationId xmlns:p14="http://schemas.microsoft.com/office/powerpoint/2010/main" val="2743849361"/>
       </p:ext>
     </p:extLst>
   </p:cSld>
@@ -8705,7 +8713,7 @@
     </p:spTree>
     <p:extLst>
       <p:ext uri="{BB962C8B-B14F-4D97-AF65-F5344CB8AC3E}">
-        <p14:creationId xmlns:p14="http://schemas.microsoft.com/office/powerpoint/2010/main" xmlns="" val="1683054389"/>
+        <p14:creationId xmlns:p14="http://schemas.microsoft.com/office/powerpoint/2010/main" val="1683054389"/>
       </p:ext>
     </p:extLst>
   </p:cSld>
@@ -8828,7 +8836,7 @@
     </p:spTree>
     <p:extLst>
       <p:ext uri="{BB962C8B-B14F-4D97-AF65-F5344CB8AC3E}">
-        <p14:creationId xmlns:p14="http://schemas.microsoft.com/office/powerpoint/2010/main" xmlns="" val="1899685824"/>
+        <p14:creationId xmlns:p14="http://schemas.microsoft.com/office/powerpoint/2010/main" val="1899685824"/>
       </p:ext>
     </p:extLst>
   </p:cSld>
@@ -8962,144 +8970,7 @@
     </p:spTree>
     <p:extLst>
       <p:ext uri="{BB962C8B-B14F-4D97-AF65-F5344CB8AC3E}">
-        <p14:creationId xmlns:p14="http://schemas.microsoft.com/office/powerpoint/2010/main" xmlns="" val="3204179034"/>
-      </p:ext>
-    </p:extLst>
-  </p:cSld>
-  <p:clrMapOvr>
-    <a:masterClrMapping/>
-  </p:clrMapOvr>
-</p:sld>
-</file>
-
-<file path=ppt/slides/slide49.xml><?xml version="1.0" encoding="utf-8"?>
-<p:sld xmlns:a="http://schemas.openxmlformats.org/drawingml/2006/main" xmlns:r="http://schemas.openxmlformats.org/officeDocument/2006/relationships" xmlns:p="http://schemas.openxmlformats.org/presentationml/2006/main">
-  <p:cSld>
-    <p:spTree>
-      <p:nvGrpSpPr>
-        <p:cNvPr id="1" name=""/>
-        <p:cNvGrpSpPr/>
-        <p:nvPr/>
-      </p:nvGrpSpPr>
-      <p:grpSpPr>
-        <a:xfrm>
-          <a:off x="0" y="0"/>
-          <a:ext cx="0" cy="0"/>
-          <a:chOff x="0" y="0"/>
-          <a:chExt cx="0" cy="0"/>
-        </a:xfrm>
-      </p:grpSpPr>
-      <p:sp>
-        <p:nvSpPr>
-          <p:cNvPr id="2" name="Title 1"/>
-          <p:cNvSpPr>
-            <a:spLocks noGrp="1"/>
-          </p:cNvSpPr>
-          <p:nvPr>
-            <p:ph type="title"/>
-          </p:nvPr>
-        </p:nvSpPr>
-        <p:spPr>
-          <a:xfrm>
-            <a:off x="457200" y="0"/>
-            <a:ext cx="8229600" cy="1143000"/>
-          </a:xfrm>
-        </p:spPr>
-        <p:txBody>
-          <a:bodyPr/>
-          <a:lstStyle/>
-          <a:p>
-            <a:r>
-              <a:rPr lang="en-US" dirty="0" smtClean="0"/>
-              <a:t>Paged segments in Intel Pentium</a:t>
-            </a:r>
-            <a:endParaRPr lang="en-US" dirty="0"/>
-          </a:p>
-        </p:txBody>
-      </p:sp>
-      <p:sp>
-        <p:nvSpPr>
-          <p:cNvPr id="3" name="Content Placeholder 2"/>
-          <p:cNvSpPr>
-            <a:spLocks noGrp="1"/>
-          </p:cNvSpPr>
-          <p:nvPr>
-            <p:ph idx="1"/>
-          </p:nvPr>
-        </p:nvSpPr>
-        <p:spPr>
-          <a:xfrm>
-            <a:off x="457200" y="914400"/>
-            <a:ext cx="8686800" cy="5943600"/>
-          </a:xfrm>
-        </p:spPr>
-        <p:txBody>
-          <a:bodyPr>
-            <a:normAutofit lnSpcReduction="10000"/>
-          </a:bodyPr>
-          <a:lstStyle/>
-          <a:p>
-            <a:r>
-              <a:rPr lang="en-US" dirty="0" smtClean="0"/>
-              <a:t>Intel Pentium supports segmentation as well as paging</a:t>
-            </a:r>
-          </a:p>
-          <a:p>
-            <a:pPr lvl="1"/>
-            <a:r>
-              <a:rPr lang="en-US" dirty="0" smtClean="0"/>
-              <a:t>A virtual address is first translated to a linear address by the segmentation unit</a:t>
-            </a:r>
-          </a:p>
-          <a:p>
-            <a:pPr lvl="1"/>
-            <a:r>
-              <a:rPr lang="en-US" dirty="0" smtClean="0"/>
-              <a:t>The linear address is translated to physical address by the paging unit</a:t>
-            </a:r>
-          </a:p>
-          <a:p>
-            <a:pPr lvl="1"/>
-            <a:r>
-              <a:rPr lang="en-US" dirty="0" smtClean="0"/>
-              <a:t>Each segment can be of size up to 4 GB</a:t>
-            </a:r>
-          </a:p>
-          <a:p>
-            <a:pPr lvl="2"/>
-            <a:r>
-              <a:rPr lang="en-US" dirty="0" smtClean="0"/>
-              <a:t>32-bit segment offset</a:t>
-            </a:r>
-          </a:p>
-          <a:p>
-            <a:pPr lvl="1"/>
-            <a:r>
-              <a:rPr lang="en-US" dirty="0" smtClean="0"/>
-              <a:t>Two types of segments: local to a process and global for sharing data across processes</a:t>
-            </a:r>
-          </a:p>
-          <a:p>
-            <a:pPr lvl="2"/>
-            <a:r>
-              <a:rPr lang="en-US" dirty="0" smtClean="0"/>
-              <a:t>At most 8192 segments per type (13+1 bits selector)</a:t>
-            </a:r>
-          </a:p>
-          <a:p>
-            <a:pPr lvl="2"/>
-            <a:r>
-              <a:rPr lang="en-US" dirty="0" smtClean="0"/>
-              <a:t>The local and global segment tables of a process are called local and global descriptor tables (LDT and GDT); each entry of the table is eight-byte wide</a:t>
-            </a:r>
-            <a:endParaRPr lang="en-US" dirty="0"/>
-          </a:p>
-        </p:txBody>
-      </p:sp>
-    </p:spTree>
-    <p:extLst>
-      <p:ext uri="{BB962C8B-B14F-4D97-AF65-F5344CB8AC3E}">
-        <p14:creationId xmlns:p14="http://schemas.microsoft.com/office/powerpoint/2010/main" xmlns="" val="106424087"/>
+        <p14:creationId xmlns:p14="http://schemas.microsoft.com/office/powerpoint/2010/main" val="3204179034"/>
       </p:ext>
     </p:extLst>
   </p:cSld>
@@ -9220,706 +9091,9 @@
     </p:spTree>
     <p:extLst>
       <p:ext uri="{BB962C8B-B14F-4D97-AF65-F5344CB8AC3E}">
-        <p14:creationId xmlns:p14="http://schemas.microsoft.com/office/powerpoint/2010/main" xmlns="" val="1541208863"/>
+        <p14:creationId xmlns:p14="http://schemas.microsoft.com/office/powerpoint/2010/main" val="1541208863"/>
       </p:ext>
     </p:extLst>
-  </p:cSld>
-  <p:clrMapOvr>
-    <a:masterClrMapping/>
-  </p:clrMapOvr>
-</p:sld>
-</file>
-
-<file path=ppt/slides/slide50.xml><?xml version="1.0" encoding="utf-8"?>
-<p:sld xmlns:a="http://schemas.openxmlformats.org/drawingml/2006/main" xmlns:r="http://schemas.openxmlformats.org/officeDocument/2006/relationships" xmlns:p="http://schemas.openxmlformats.org/presentationml/2006/main">
-  <p:cSld>
-    <p:spTree>
-      <p:nvGrpSpPr>
-        <p:cNvPr id="1" name=""/>
-        <p:cNvGrpSpPr/>
-        <p:nvPr/>
-      </p:nvGrpSpPr>
-      <p:grpSpPr>
-        <a:xfrm>
-          <a:off x="0" y="0"/>
-          <a:ext cx="0" cy="0"/>
-          <a:chOff x="0" y="0"/>
-          <a:chExt cx="0" cy="0"/>
-        </a:xfrm>
-      </p:grpSpPr>
-      <p:sp>
-        <p:nvSpPr>
-          <p:cNvPr id="2" name="Title 1"/>
-          <p:cNvSpPr>
-            <a:spLocks noGrp="1"/>
-          </p:cNvSpPr>
-          <p:nvPr>
-            <p:ph type="title"/>
-          </p:nvPr>
-        </p:nvSpPr>
-        <p:spPr>
-          <a:xfrm>
-            <a:off x="457200" y="0"/>
-            <a:ext cx="8229600" cy="990600"/>
-          </a:xfrm>
-        </p:spPr>
-        <p:txBody>
-          <a:bodyPr/>
-          <a:lstStyle/>
-          <a:p>
-            <a:r>
-              <a:rPr lang="en-US" dirty="0" smtClean="0"/>
-              <a:t>Paged segments in Intel Pentium</a:t>
-            </a:r>
-            <a:endParaRPr lang="en-US" dirty="0"/>
-          </a:p>
-        </p:txBody>
-      </p:sp>
-      <p:sp>
-        <p:nvSpPr>
-          <p:cNvPr id="3" name="Content Placeholder 2"/>
-          <p:cNvSpPr>
-            <a:spLocks noGrp="1"/>
-          </p:cNvSpPr>
-          <p:nvPr>
-            <p:ph idx="1"/>
-          </p:nvPr>
-        </p:nvSpPr>
-        <p:spPr>
-          <a:xfrm>
-            <a:off x="457200" y="762000"/>
-            <a:ext cx="8686800" cy="6096000"/>
-          </a:xfrm>
-        </p:spPr>
-        <p:txBody>
-          <a:bodyPr>
-            <a:normAutofit/>
-          </a:bodyPr>
-          <a:lstStyle/>
-          <a:p>
-            <a:r>
-              <a:rPr lang="en-US" dirty="0" smtClean="0"/>
-              <a:t>Intel Pentium supports segmentation as well as paging</a:t>
-            </a:r>
-          </a:p>
-          <a:p>
-            <a:pPr lvl="1"/>
-            <a:r>
-              <a:rPr lang="en-US" dirty="0" smtClean="0"/>
-              <a:t>The virtual address two parts: a segment selector (16 bits) and a segment offset (32 bits)</a:t>
-            </a:r>
-          </a:p>
-          <a:p>
-            <a:pPr lvl="2"/>
-            <a:r>
-              <a:rPr lang="en-US" dirty="0" smtClean="0"/>
-              <a:t>The segment selector’s upper 13 bits are used to select a segment, the next one bit is the local/global segment indicator, and the lower two bits are for permission</a:t>
-            </a:r>
-          </a:p>
-          <a:p>
-            <a:pPr lvl="1"/>
-            <a:r>
-              <a:rPr lang="en-US" dirty="0" smtClean="0"/>
-              <a:t>A process can access at most six segments at any point in time</a:t>
-            </a:r>
-          </a:p>
-          <a:p>
-            <a:pPr lvl="2"/>
-            <a:r>
-              <a:rPr lang="en-US" dirty="0" smtClean="0"/>
-              <a:t>The locations of the descriptors of these segments within LDT/GDT are stored in six registers within the processor</a:t>
-            </a:r>
-          </a:p>
-          <a:p>
-            <a:pPr lvl="2"/>
-            <a:r>
-              <a:rPr lang="en-US" dirty="0" smtClean="0"/>
-              <a:t>A small cache also holds the six currently accessed segment descriptors so that the LDT/GDT need not be accessed frequently </a:t>
-            </a:r>
-            <a:endParaRPr lang="en-US" dirty="0"/>
-          </a:p>
-        </p:txBody>
-      </p:sp>
-    </p:spTree>
-    <p:extLst>
-      <p:ext uri="{BB962C8B-B14F-4D97-AF65-F5344CB8AC3E}">
-        <p14:creationId xmlns:p14="http://schemas.microsoft.com/office/powerpoint/2010/main" xmlns="" val="1143644909"/>
-      </p:ext>
-    </p:extLst>
-  </p:cSld>
-  <p:clrMapOvr>
-    <a:masterClrMapping/>
-  </p:clrMapOvr>
-</p:sld>
-</file>
-
-<file path=ppt/slides/slide51.xml><?xml version="1.0" encoding="utf-8"?>
-<p:sld xmlns:a="http://schemas.openxmlformats.org/drawingml/2006/main" xmlns:r="http://schemas.openxmlformats.org/officeDocument/2006/relationships" xmlns:p="http://schemas.openxmlformats.org/presentationml/2006/main">
-  <p:cSld>
-    <p:spTree>
-      <p:nvGrpSpPr>
-        <p:cNvPr id="1" name=""/>
-        <p:cNvGrpSpPr/>
-        <p:nvPr/>
-      </p:nvGrpSpPr>
-      <p:grpSpPr>
-        <a:xfrm>
-          <a:off x="0" y="0"/>
-          <a:ext cx="0" cy="0"/>
-          <a:chOff x="0" y="0"/>
-          <a:chExt cx="0" cy="0"/>
-        </a:xfrm>
-      </p:grpSpPr>
-      <p:sp>
-        <p:nvSpPr>
-          <p:cNvPr id="2" name="Title 1"/>
-          <p:cNvSpPr>
-            <a:spLocks noGrp="1"/>
-          </p:cNvSpPr>
-          <p:nvPr>
-            <p:ph type="title"/>
-          </p:nvPr>
-        </p:nvSpPr>
-        <p:spPr>
-          <a:xfrm>
-            <a:off x="457200" y="0"/>
-            <a:ext cx="8229600" cy="990600"/>
-          </a:xfrm>
-        </p:spPr>
-        <p:txBody>
-          <a:bodyPr/>
-          <a:lstStyle/>
-          <a:p>
-            <a:r>
-              <a:rPr lang="en-US" dirty="0" smtClean="0"/>
-              <a:t>Paged segments in Intel Pentium</a:t>
-            </a:r>
-            <a:endParaRPr lang="en-US" dirty="0"/>
-          </a:p>
-        </p:txBody>
-      </p:sp>
-      <p:sp>
-        <p:nvSpPr>
-          <p:cNvPr id="3" name="Content Placeholder 2"/>
-          <p:cNvSpPr>
-            <a:spLocks noGrp="1"/>
-          </p:cNvSpPr>
-          <p:nvPr>
-            <p:ph idx="1"/>
-          </p:nvPr>
-        </p:nvSpPr>
-        <p:spPr>
-          <a:xfrm>
-            <a:off x="457200" y="762000"/>
-            <a:ext cx="8686800" cy="6096000"/>
-          </a:xfrm>
-        </p:spPr>
-        <p:txBody>
-          <a:bodyPr>
-            <a:normAutofit lnSpcReduction="10000"/>
-          </a:bodyPr>
-          <a:lstStyle/>
-          <a:p>
-            <a:r>
-              <a:rPr lang="en-US" dirty="0" smtClean="0"/>
-              <a:t>Intel Pentium supports segmentation as well as paging</a:t>
-            </a:r>
-          </a:p>
-          <a:p>
-            <a:pPr lvl="1"/>
-            <a:r>
-              <a:rPr lang="en-US" dirty="0" smtClean="0"/>
-              <a:t>The segment descriptor provides the segment base address, which is added to the segment offset to obtain a 32-bit linear address</a:t>
-            </a:r>
-          </a:p>
-          <a:p>
-            <a:pPr lvl="1"/>
-            <a:r>
-              <a:rPr lang="en-US" dirty="0" smtClean="0"/>
-              <a:t>The linear address is translated to physical address by the paging unit</a:t>
-            </a:r>
-          </a:p>
-          <a:p>
-            <a:pPr lvl="2"/>
-            <a:r>
-              <a:rPr lang="en-US" dirty="0" smtClean="0"/>
-              <a:t>Two page sizes are supported: 4 KB and 4 MB</a:t>
-            </a:r>
-          </a:p>
-          <a:p>
-            <a:pPr lvl="2"/>
-            <a:r>
-              <a:rPr lang="en-US" dirty="0" smtClean="0"/>
-              <a:t>When using a 4 KB page size, a two-level page table scheme is used where the upper ten bits form the L1 page table (also known as the L1 page directory) index and the next ten bits form the index of the L2 page table entry within a page of this table (each PTE is four-byte)</a:t>
-            </a:r>
-          </a:p>
-          <a:p>
-            <a:pPr lvl="2"/>
-            <a:r>
-              <a:rPr lang="en-US" dirty="0" smtClean="0"/>
-              <a:t>When using a 4 MB page, there is only one level of page table</a:t>
-            </a:r>
-            <a:endParaRPr lang="en-US" dirty="0"/>
-          </a:p>
-        </p:txBody>
-      </p:sp>
-    </p:spTree>
-    <p:extLst>
-      <p:ext uri="{BB962C8B-B14F-4D97-AF65-F5344CB8AC3E}">
-        <p14:creationId xmlns:p14="http://schemas.microsoft.com/office/powerpoint/2010/main" xmlns="" val="1394652917"/>
-      </p:ext>
-    </p:extLst>
-  </p:cSld>
-  <p:clrMapOvr>
-    <a:masterClrMapping/>
-  </p:clrMapOvr>
-</p:sld>
-</file>
-
-<file path=ppt/slides/slide52.xml><?xml version="1.0" encoding="utf-8"?>
-<p:sld xmlns:a="http://schemas.openxmlformats.org/drawingml/2006/main" xmlns:r="http://schemas.openxmlformats.org/officeDocument/2006/relationships" xmlns:p="http://schemas.openxmlformats.org/presentationml/2006/main">
-  <p:cSld>
-    <p:spTree>
-      <p:nvGrpSpPr>
-        <p:cNvPr id="1" name=""/>
-        <p:cNvGrpSpPr/>
-        <p:nvPr/>
-      </p:nvGrpSpPr>
-      <p:grpSpPr>
-        <a:xfrm>
-          <a:off x="0" y="0"/>
-          <a:ext cx="0" cy="0"/>
-          <a:chOff x="0" y="0"/>
-          <a:chExt cx="0" cy="0"/>
-        </a:xfrm>
-      </p:grpSpPr>
-      <p:sp>
-        <p:nvSpPr>
-          <p:cNvPr id="2" name="Title 1"/>
-          <p:cNvSpPr>
-            <a:spLocks noGrp="1"/>
-          </p:cNvSpPr>
-          <p:nvPr>
-            <p:ph type="title"/>
-          </p:nvPr>
-        </p:nvSpPr>
-        <p:spPr>
-          <a:xfrm>
-            <a:off x="457200" y="0"/>
-            <a:ext cx="8229600" cy="1143000"/>
-          </a:xfrm>
-        </p:spPr>
-        <p:txBody>
-          <a:bodyPr/>
-          <a:lstStyle/>
-          <a:p>
-            <a:r>
-              <a:rPr lang="en-US" dirty="0" smtClean="0"/>
-              <a:t>Linux VM on Pentium</a:t>
-            </a:r>
-            <a:endParaRPr lang="en-US" dirty="0"/>
-          </a:p>
-        </p:txBody>
-      </p:sp>
-      <p:sp>
-        <p:nvSpPr>
-          <p:cNvPr id="3" name="Content Placeholder 2"/>
-          <p:cNvSpPr>
-            <a:spLocks noGrp="1"/>
-          </p:cNvSpPr>
-          <p:nvPr>
-            <p:ph idx="1"/>
-          </p:nvPr>
-        </p:nvSpPr>
-        <p:spPr>
-          <a:xfrm>
-            <a:off x="438150" y="838200"/>
-            <a:ext cx="8686800" cy="6019800"/>
-          </a:xfrm>
-        </p:spPr>
-        <p:txBody>
-          <a:bodyPr>
-            <a:normAutofit lnSpcReduction="10000"/>
-          </a:bodyPr>
-          <a:lstStyle/>
-          <a:p>
-            <a:r>
-              <a:rPr lang="en-US" dirty="0" smtClean="0"/>
-              <a:t>Linux does not take the full advantage of the segmented virtual memory</a:t>
-            </a:r>
-          </a:p>
-          <a:p>
-            <a:pPr lvl="1"/>
-            <a:r>
-              <a:rPr lang="en-US" dirty="0" smtClean="0"/>
-              <a:t>Uses the following six segments on Pentium: kernel code, kernel data, user code, user data, task state segment (used to store PCB), and a default local segment</a:t>
-            </a:r>
-          </a:p>
-          <a:p>
-            <a:pPr lvl="1"/>
-            <a:r>
-              <a:rPr lang="en-US" dirty="0" smtClean="0"/>
-              <a:t>All segment descriptors are stored in the GDT (including the TSS and the local one) so that a process can share its user code and data segments with the other processes, if needed</a:t>
-            </a:r>
-          </a:p>
-          <a:p>
-            <a:pPr lvl="1"/>
-            <a:r>
-              <a:rPr lang="en-US" dirty="0" smtClean="0"/>
-              <a:t>Linux uses two (out of the four) permission modes: kernel and user modes</a:t>
-            </a:r>
-          </a:p>
-          <a:p>
-            <a:pPr lvl="1"/>
-            <a:r>
-              <a:rPr lang="en-US" dirty="0" smtClean="0"/>
-              <a:t>Uses a three-level page table, of which the middle level is collapsed when running on a 32-bit machine</a:t>
-            </a:r>
-            <a:endParaRPr lang="en-US" dirty="0"/>
-          </a:p>
-        </p:txBody>
-      </p:sp>
-    </p:spTree>
-    <p:extLst>
-      <p:ext uri="{BB962C8B-B14F-4D97-AF65-F5344CB8AC3E}">
-        <p14:creationId xmlns:p14="http://schemas.microsoft.com/office/powerpoint/2010/main" xmlns="" val="3513279531"/>
-      </p:ext>
-    </p:extLst>
-  </p:cSld>
-  <p:clrMapOvr>
-    <a:masterClrMapping/>
-  </p:clrMapOvr>
-</p:sld>
-</file>
-
-<file path=ppt/slides/slide53.xml><?xml version="1.0" encoding="utf-8"?>
-<p:sld xmlns:a="http://schemas.openxmlformats.org/drawingml/2006/main" xmlns:r="http://schemas.openxmlformats.org/officeDocument/2006/relationships" xmlns:p="http://schemas.openxmlformats.org/presentationml/2006/main">
-  <p:cSld>
-    <p:spTree>
-      <p:nvGrpSpPr>
-        <p:cNvPr id="1" name=""/>
-        <p:cNvGrpSpPr/>
-        <p:nvPr/>
-      </p:nvGrpSpPr>
-      <p:grpSpPr>
-        <a:xfrm>
-          <a:off x="0" y="0"/>
-          <a:ext cx="0" cy="0"/>
-          <a:chOff x="0" y="0"/>
-          <a:chExt cx="0" cy="0"/>
-        </a:xfrm>
-      </p:grpSpPr>
-      <p:sp>
-        <p:nvSpPr>
-          <p:cNvPr id="2" name="Title 1"/>
-          <p:cNvSpPr>
-            <a:spLocks noGrp="1"/>
-          </p:cNvSpPr>
-          <p:nvPr>
-            <p:ph type="title"/>
-          </p:nvPr>
-        </p:nvSpPr>
-        <p:spPr/>
-        <p:txBody>
-          <a:bodyPr/>
-          <a:lstStyle/>
-          <a:p>
-            <a:r>
-              <a:rPr lang="en-US" dirty="0" smtClean="0"/>
-              <a:t>Memory-mapped I/O</a:t>
-            </a:r>
-            <a:endParaRPr lang="en-US" dirty="0"/>
-          </a:p>
-        </p:txBody>
-      </p:sp>
-      <p:sp>
-        <p:nvSpPr>
-          <p:cNvPr id="3" name="Content Placeholder 2"/>
-          <p:cNvSpPr>
-            <a:spLocks noGrp="1"/>
-          </p:cNvSpPr>
-          <p:nvPr>
-            <p:ph idx="1"/>
-          </p:nvPr>
-        </p:nvSpPr>
-        <p:spPr>
-          <a:xfrm>
-            <a:off x="457200" y="1295400"/>
-            <a:ext cx="8686800" cy="5486400"/>
-          </a:xfrm>
-        </p:spPr>
-        <p:txBody>
-          <a:bodyPr>
-            <a:normAutofit lnSpcReduction="10000"/>
-          </a:bodyPr>
-          <a:lstStyle/>
-          <a:p>
-            <a:r>
-              <a:rPr lang="en-US" dirty="0" smtClean="0"/>
-              <a:t>The command or data registers of certain I/O devices can be assigned a range of memory addresses</a:t>
-            </a:r>
-          </a:p>
-          <a:p>
-            <a:pPr lvl="1"/>
-            <a:r>
-              <a:rPr lang="en-US" dirty="0" smtClean="0"/>
-              <a:t>These registers can now be read from or written to through standard memory instructions</a:t>
-            </a:r>
-          </a:p>
-          <a:p>
-            <a:pPr lvl="1"/>
-            <a:r>
-              <a:rPr lang="en-US" dirty="0" smtClean="0"/>
-              <a:t>These addresses usually do not go through any virtual to physical translation and are said to belong to an unmapped address space</a:t>
-            </a:r>
-          </a:p>
-          <a:p>
-            <a:pPr lvl="1"/>
-            <a:r>
-              <a:rPr lang="en-US" dirty="0" smtClean="0"/>
-              <a:t>These address ranges still get page table entries, although these entries do not hold any translation; these entries have a special bit that indicates the unmapped status of these address ranges</a:t>
-            </a:r>
-            <a:endParaRPr lang="en-US" dirty="0"/>
-          </a:p>
-        </p:txBody>
-      </p:sp>
-    </p:spTree>
-    <p:extLst>
-      <p:ext uri="{BB962C8B-B14F-4D97-AF65-F5344CB8AC3E}">
-        <p14:creationId xmlns:p14="http://schemas.microsoft.com/office/powerpoint/2010/main" xmlns="" val="1007587482"/>
-      </p:ext>
-    </p:extLst>
-  </p:cSld>
-  <p:clrMapOvr>
-    <a:masterClrMapping/>
-  </p:clrMapOvr>
-</p:sld>
-</file>
-
-<file path=ppt/slides/slide54.xml><?xml version="1.0" encoding="utf-8"?>
-<p:sld xmlns:a="http://schemas.openxmlformats.org/drawingml/2006/main" xmlns:r="http://schemas.openxmlformats.org/officeDocument/2006/relationships" xmlns:p="http://schemas.openxmlformats.org/presentationml/2006/main">
-  <p:cSld>
-    <p:spTree>
-      <p:nvGrpSpPr>
-        <p:cNvPr id="1" name=""/>
-        <p:cNvGrpSpPr/>
-        <p:nvPr/>
-      </p:nvGrpSpPr>
-      <p:grpSpPr>
-        <a:xfrm>
-          <a:off x="0" y="0"/>
-          <a:ext cx="0" cy="0"/>
-          <a:chOff x="0" y="0"/>
-          <a:chExt cx="0" cy="0"/>
-        </a:xfrm>
-      </p:grpSpPr>
-      <p:sp>
-        <p:nvSpPr>
-          <p:cNvPr id="2" name="Title 1"/>
-          <p:cNvSpPr>
-            <a:spLocks noGrp="1"/>
-          </p:cNvSpPr>
-          <p:nvPr>
-            <p:ph type="title"/>
-          </p:nvPr>
-        </p:nvSpPr>
-        <p:spPr>
-          <a:xfrm>
-            <a:off x="457200" y="76200"/>
-            <a:ext cx="8229600" cy="1143000"/>
-          </a:xfrm>
-        </p:spPr>
-        <p:txBody>
-          <a:bodyPr/>
-          <a:lstStyle/>
-          <a:p>
-            <a:r>
-              <a:rPr lang="en-US" dirty="0" smtClean="0"/>
-              <a:t>Handling I/O in paged systems</a:t>
-            </a:r>
-            <a:endParaRPr lang="en-US" dirty="0"/>
-          </a:p>
-        </p:txBody>
-      </p:sp>
-      <p:sp>
-        <p:nvSpPr>
-          <p:cNvPr id="3" name="Content Placeholder 2"/>
-          <p:cNvSpPr>
-            <a:spLocks noGrp="1"/>
-          </p:cNvSpPr>
-          <p:nvPr>
-            <p:ph idx="1"/>
-          </p:nvPr>
-        </p:nvSpPr>
-        <p:spPr>
-          <a:xfrm>
-            <a:off x="457200" y="1066800"/>
-            <a:ext cx="8686800" cy="5791200"/>
-          </a:xfrm>
-        </p:spPr>
-        <p:txBody>
-          <a:bodyPr>
-            <a:normAutofit lnSpcReduction="10000"/>
-          </a:bodyPr>
-          <a:lstStyle/>
-          <a:p>
-            <a:r>
-              <a:rPr lang="en-US" dirty="0" smtClean="0"/>
-              <a:t>Many I/O devices directly transfer data to/from physical memory</a:t>
-            </a:r>
-          </a:p>
-          <a:p>
-            <a:pPr lvl="1"/>
-            <a:r>
-              <a:rPr lang="en-US" dirty="0" smtClean="0"/>
-              <a:t>There is a possibility that the page currently used by an I/O device may get swapped out leading to data corruption</a:t>
-            </a:r>
-          </a:p>
-          <a:p>
-            <a:pPr lvl="1"/>
-            <a:r>
-              <a:rPr lang="en-US" dirty="0" smtClean="0"/>
-              <a:t>The solution is to do I/O on a reserved portion of the kernel memory known as the I/O buffer or I/O cache</a:t>
-            </a:r>
-          </a:p>
-          <a:p>
-            <a:pPr lvl="1"/>
-            <a:r>
-              <a:rPr lang="en-US" dirty="0" smtClean="0"/>
-              <a:t>Kernels that allow I/O on user memory usually set a lock bit on the pages that are involved in I/O operations so that these pages are not considered for replacement</a:t>
-            </a:r>
-          </a:p>
-          <a:p>
-            <a:pPr lvl="1"/>
-            <a:r>
-              <a:rPr lang="en-US" dirty="0" smtClean="0"/>
-              <a:t>The lock bits can also be used to avoid paging related starvation in low-priority processes</a:t>
-            </a:r>
-            <a:endParaRPr lang="en-US" dirty="0"/>
-          </a:p>
-        </p:txBody>
-      </p:sp>
-    </p:spTree>
-    <p:extLst>
-      <p:ext uri="{BB962C8B-B14F-4D97-AF65-F5344CB8AC3E}">
-        <p14:creationId xmlns:p14="http://schemas.microsoft.com/office/powerpoint/2010/main" xmlns="" val="3781159069"/>
-      </p:ext>
-    </p:extLst>
-  </p:cSld>
-  <p:clrMapOvr>
-    <a:masterClrMapping/>
-  </p:clrMapOvr>
-</p:sld>
-</file>
-
-<file path=ppt/slides/slide55.xml><?xml version="1.0" encoding="utf-8"?>
-<p:sld xmlns:a="http://schemas.openxmlformats.org/drawingml/2006/main" xmlns:r="http://schemas.openxmlformats.org/officeDocument/2006/relationships" xmlns:p="http://schemas.openxmlformats.org/presentationml/2006/main">
-  <p:cSld>
-    <p:spTree>
-      <p:nvGrpSpPr>
-        <p:cNvPr id="1" name=""/>
-        <p:cNvGrpSpPr/>
-        <p:nvPr/>
-      </p:nvGrpSpPr>
-      <p:grpSpPr>
-        <a:xfrm>
-          <a:off x="0" y="0"/>
-          <a:ext cx="0" cy="0"/>
-          <a:chOff x="0" y="0"/>
-          <a:chExt cx="0" cy="0"/>
-        </a:xfrm>
-      </p:grpSpPr>
-      <p:sp>
-        <p:nvSpPr>
-          <p:cNvPr id="2" name="Title 1"/>
-          <p:cNvSpPr>
-            <a:spLocks noGrp="1"/>
-          </p:cNvSpPr>
-          <p:nvPr>
-            <p:ph type="title"/>
-          </p:nvPr>
-        </p:nvSpPr>
-        <p:spPr>
-          <a:xfrm>
-            <a:off x="457200" y="0"/>
-            <a:ext cx="8229600" cy="1143000"/>
-          </a:xfrm>
-        </p:spPr>
-        <p:txBody>
-          <a:bodyPr/>
-          <a:lstStyle/>
-          <a:p>
-            <a:r>
-              <a:rPr lang="en-US" dirty="0" smtClean="0"/>
-              <a:t>Managing kernel memory</a:t>
-            </a:r>
-            <a:endParaRPr lang="en-US" dirty="0"/>
-          </a:p>
-        </p:txBody>
-      </p:sp>
-      <p:sp>
-        <p:nvSpPr>
-          <p:cNvPr id="3" name="Content Placeholder 2"/>
-          <p:cNvSpPr>
-            <a:spLocks noGrp="1"/>
-          </p:cNvSpPr>
-          <p:nvPr>
-            <p:ph idx="1"/>
-          </p:nvPr>
-        </p:nvSpPr>
-        <p:spPr>
-          <a:xfrm>
-            <a:off x="457200" y="914400"/>
-            <a:ext cx="8686800" cy="5943600"/>
-          </a:xfrm>
-        </p:spPr>
-        <p:txBody>
-          <a:bodyPr>
-            <a:normAutofit lnSpcReduction="10000"/>
-          </a:bodyPr>
-          <a:lstStyle/>
-          <a:p>
-            <a:r>
-              <a:rPr lang="en-US" dirty="0" smtClean="0"/>
-              <a:t>Kernel memory requirements differ significantly from user memory requirements</a:t>
-            </a:r>
-          </a:p>
-          <a:p>
-            <a:pPr lvl="1"/>
-            <a:r>
-              <a:rPr lang="en-US" dirty="0" smtClean="0"/>
-              <a:t>The sizes of requested memory from kernel processes vary widely from small (less than page) to large</a:t>
-            </a:r>
-          </a:p>
-          <a:p>
-            <a:pPr lvl="2"/>
-            <a:r>
-              <a:rPr lang="en-US" dirty="0" smtClean="0"/>
-              <a:t>Paging kernel memory can lead to heavy internal fragmentation and wastage; kernel memory should be used judiciously to avoid steep performance drops due to sudden bursts of page replacements</a:t>
-            </a:r>
-          </a:p>
-          <a:p>
-            <a:pPr lvl="2"/>
-            <a:r>
-              <a:rPr lang="en-US" dirty="0" smtClean="0"/>
-              <a:t>Certain I/O devices directly access memory without consulting the virtual memory layer e.g., DMA; so the kernel regions reserved as I/O buffers must be contiguous in physical memory irrespective of their sizes</a:t>
-            </a:r>
-          </a:p>
-          <a:p>
-            <a:pPr lvl="1"/>
-            <a:r>
-              <a:rPr lang="en-US" dirty="0" smtClean="0"/>
-              <a:t>As a result, certain regions of the kernel memory is not </a:t>
-            </a:r>
-            <a:r>
-              <a:rPr lang="en-US" dirty="0" smtClean="0"/>
-              <a:t>paged</a:t>
-            </a:r>
-            <a:endParaRPr lang="en-US" dirty="0"/>
-          </a:p>
-        </p:txBody>
-      </p:sp>
-    </p:spTree>
   </p:cSld>
   <p:clrMapOvr>
     <a:masterClrMapping/>
@@ -10042,7 +9216,7 @@
     </p:spTree>
     <p:extLst>
       <p:ext uri="{BB962C8B-B14F-4D97-AF65-F5344CB8AC3E}">
-        <p14:creationId xmlns:p14="http://schemas.microsoft.com/office/powerpoint/2010/main" xmlns="" val="906613262"/>
+        <p14:creationId xmlns:p14="http://schemas.microsoft.com/office/powerpoint/2010/main" val="906613262"/>
       </p:ext>
     </p:extLst>
   </p:cSld>
@@ -10159,7 +9333,7 @@
     </p:spTree>
     <p:extLst>
       <p:ext uri="{BB962C8B-B14F-4D97-AF65-F5344CB8AC3E}">
-        <p14:creationId xmlns:p14="http://schemas.microsoft.com/office/powerpoint/2010/main" xmlns="" val="3875765808"/>
+        <p14:creationId xmlns:p14="http://schemas.microsoft.com/office/powerpoint/2010/main" val="3875765808"/>
       </p:ext>
     </p:extLst>
   </p:cSld>
@@ -10294,7 +9468,7 @@
     </p:spTree>
     <p:extLst>
       <p:ext uri="{BB962C8B-B14F-4D97-AF65-F5344CB8AC3E}">
-        <p14:creationId xmlns:p14="http://schemas.microsoft.com/office/powerpoint/2010/main" xmlns="" val="1065746573"/>
+        <p14:creationId xmlns:p14="http://schemas.microsoft.com/office/powerpoint/2010/main" val="1065746573"/>
       </p:ext>
     </p:extLst>
   </p:cSld>
@@ -10425,7 +9599,7 @@
     </p:spTree>
     <p:extLst>
       <p:ext uri="{BB962C8B-B14F-4D97-AF65-F5344CB8AC3E}">
-        <p14:creationId xmlns:p14="http://schemas.microsoft.com/office/powerpoint/2010/main" xmlns="" val="356303851"/>
+        <p14:creationId xmlns:p14="http://schemas.microsoft.com/office/powerpoint/2010/main" val="356303851"/>
       </p:ext>
     </p:extLst>
   </p:cSld>
